--- a/MSCI 6110 Big Data Fall 2020 Group 5.pptx
+++ b/MSCI 6110 Big Data Fall 2020 Group 5.pptx
@@ -17275,7 +17275,7 @@
           <p:nvPr>
             <p:extLst>
               <p:ext uri="{D42A27DB-BD31-4B8C-83A1-F6EECF244321}">
-                <p14:modId xmlns:p14="http://schemas.microsoft.com/office/powerpoint/2010/main" val="1179857298"/>
+                <p14:modId xmlns:p14="http://schemas.microsoft.com/office/powerpoint/2010/main" val="2865207746"/>
               </p:ext>
             </p:extLst>
           </p:nvPr>
@@ -17636,7 +17636,7 @@
                           <a:ea typeface="+mn-ea"/>
                           <a:cs typeface="Arial" panose="020B0604020202020204" pitchFamily="34" charset="0"/>
                         </a:rPr>
-                        <a:t>51,322</a:t>
+                        <a:t>30,309</a:t>
                       </a:r>
                     </a:p>
                   </a:txBody>
@@ -17703,7 +17703,7 @@
                           <a:ea typeface="+mn-ea"/>
                           <a:cs typeface="Arial" panose="020B0604020202020204" pitchFamily="34" charset="0"/>
                         </a:rPr>
-                        <a:t>Any</a:t>
+                        <a:t>USA</a:t>
                       </a:r>
                     </a:p>
                   </a:txBody>
@@ -17823,7 +17823,7 @@
                           <a:ea typeface="+mn-ea"/>
                           <a:cs typeface="Arial" panose="020B0604020202020204" pitchFamily="34" charset="0"/>
                         </a:rPr>
-                        <a:t>119,558</a:t>
+                        <a:t>92,090</a:t>
                       </a:r>
                     </a:p>
                   </a:txBody>
@@ -18010,7 +18010,7 @@
                           <a:ea typeface="+mn-ea"/>
                           <a:cs typeface="Arial" panose="020B0604020202020204" pitchFamily="34" charset="0"/>
                         </a:rPr>
-                        <a:t>24</a:t>
+                        <a:t>24,333</a:t>
                       </a:r>
                     </a:p>
                   </a:txBody>
@@ -18125,7 +18125,23 @@
                     <a:bodyPr/>
                     <a:lstStyle/>
                     <a:p>
-                      <a:pPr algn="l" fontAlgn="b"/>
+                      <a:pPr marL="0" marR="0" lvl="0" indent="0" algn="l" defTabSz="914400" rtl="0" eaLnBrk="1" fontAlgn="b" latinLnBrk="0" hangingPunct="1">
+                        <a:lnSpc>
+                          <a:spcPct val="100000"/>
+                        </a:lnSpc>
+                        <a:spcBef>
+                          <a:spcPts val="0"/>
+                        </a:spcBef>
+                        <a:spcAft>
+                          <a:spcPts val="0"/>
+                        </a:spcAft>
+                        <a:buClrTx/>
+                        <a:buSzTx/>
+                        <a:buFontTx/>
+                        <a:buNone/>
+                        <a:tabLst/>
+                        <a:defRPr/>
+                      </a:pPr>
                       <a:r>
                         <a:rPr lang="en-US" sz="1400" kern="1200" dirty="0">
                           <a:solidFill>
@@ -18137,7 +18153,7 @@
                           <a:ea typeface="+mn-ea"/>
                           <a:cs typeface="Arial" panose="020B0604020202020204" pitchFamily="34" charset="0"/>
                         </a:rPr>
-                        <a:t>Restaurant</a:t>
+                        <a:t>Non-Restaurant</a:t>
                       </a:r>
                     </a:p>
                   </a:txBody>
@@ -18197,7 +18213,7 @@
                           <a:ea typeface="+mn-ea"/>
                           <a:cs typeface="Arial" panose="020B0604020202020204" pitchFamily="34" charset="0"/>
                         </a:rPr>
-                        <a:t>3,678</a:t>
+                        <a:t>27,817</a:t>
                       </a:r>
                     </a:p>
                   </a:txBody>
